--- a/PE-1/PE-1.pptx
+++ b/PE-1/PE-1.pptx
@@ -5585,7 +5585,7 @@
         <p:spPr>
           <a:xfrm>
             <a:off x="211015" y="2552348"/>
-            <a:ext cx="8693833" cy="2305685"/>
+            <a:ext cx="8693833" cy="2583180"/>
           </a:xfrm>
           <a:prstGeom prst="rect">
             <a:avLst/>
@@ -5657,7 +5657,7 @@
                 <a:cs typeface="Times New Roman" panose="02020603050405020304" pitchFamily="18" charset="0"/>
                 <a:sym typeface="Calibri" panose="020F0502020204030204"/>
               </a:rPr>
-              <a:t>SHIWANGI (TEAM LEADER) 2310992210(G-25) shiwangi2210.be23@chitkara.edu.in</a:t>
+              <a:t>SHIWANGI (TEAM LEADER) 2310992210(G-25)   shiwangi2210.be23@chitkara.edu.in</a:t>
             </a:r>
             <a:endParaRPr sz="1800" dirty="0">
               <a:solidFill>
@@ -5678,7 +5678,7 @@
                 <a:cs typeface="Times New Roman" panose="02020603050405020304" pitchFamily="18" charset="0"/>
                 <a:sym typeface="Calibri" panose="020F0502020204030204"/>
               </a:rPr>
-              <a:t>RAMANJOT KAUR	2310992189 (G-25)  ramanjot2189.be23</a:t>
+              <a:t>RAMANJOT KAUR	     2310992189 (G-25)  ramanjot2189.be23</a:t>
             </a:r>
             <a:r>
               <a:rPr lang="en-US" sz="1800" dirty="0">
@@ -5711,7 +5711,7 @@
                 <a:cs typeface="Times New Roman" panose="02020603050405020304" pitchFamily="18" charset="0"/>
                 <a:sym typeface="Calibri" panose="020F0502020204030204"/>
               </a:rPr>
-              <a:t>SAHIRA	 		2310992199 (G-25)   sahira2199.be23</a:t>
+              <a:t>SAHIRA	 		     2310992199 (G-25)   sahira2199.be23</a:t>
             </a:r>
             <a:r>
               <a:rPr lang="en-US" sz="1800" dirty="0">
@@ -5724,6 +5724,29 @@
                 <a:sym typeface="Calibri" panose="020F0502020204030204"/>
               </a:rPr>
               <a:t>@chitkara.edu.in</a:t>
+            </a:r>
+            <a:endParaRPr lang="en-US" sz="1800" dirty="0">
+              <a:solidFill>
+                <a:schemeClr val="dk1"/>
+              </a:solidFill>
+              <a:latin typeface="Times New Roman" panose="02020603050405020304" pitchFamily="18" charset="0"/>
+              <a:ea typeface="Calibri" panose="020F0502020204030204"/>
+              <a:cs typeface="Times New Roman" panose="02020603050405020304" pitchFamily="18" charset="0"/>
+              <a:sym typeface="Calibri" panose="020F0502020204030204"/>
+            </a:endParaRPr>
+          </a:p>
+          <a:p>
+            <a:r>
+              <a:rPr lang="en-US" sz="1800" dirty="0">
+                <a:solidFill>
+                  <a:schemeClr val="dk1"/>
+                </a:solidFill>
+                <a:latin typeface="Times New Roman" panose="02020603050405020304" pitchFamily="18" charset="0"/>
+                <a:ea typeface="Calibri" panose="020F0502020204030204"/>
+                <a:cs typeface="Times New Roman" panose="02020603050405020304" pitchFamily="18" charset="0"/>
+                <a:sym typeface="Calibri" panose="020F0502020204030204"/>
+              </a:rPr>
+              <a:t>ISHITA                                         2310990777 (G-25)   ishita0777.be23@chitkara.edu.in</a:t>
             </a:r>
             <a:endParaRPr lang="en-US" sz="1800" dirty="0">
               <a:solidFill>
@@ -5809,7 +5832,7 @@
                 <a:cs typeface="Times New Roman" panose="02020603050405020304" pitchFamily="18" charset="0"/>
                 <a:sym typeface="Calibri" panose="020F0502020204030204"/>
               </a:rPr>
-              <a:t>Internal Faculty: Dr. Shikha </a:t>
+              <a:t>Internal Faculty: Dr. Shikha                                    Project Id: 5</a:t>
             </a:r>
             <a:endParaRPr lang="en-US" sz="1800" dirty="0">
               <a:solidFill>

--- a/PE-1/PE-1.pptx
+++ b/PE-1/PE-1.pptx
@@ -5,32 +5,32 @@
     <p:sldMasterId id="2147483648" r:id="rId1"/>
   </p:sldMasterIdLst>
   <p:notesMasterIdLst>
-    <p:notesMasterId r:id="rId4"/>
+    <p:notesMasterId r:id="rId11"/>
   </p:notesMasterIdLst>
   <p:sldIdLst>
-    <p:sldId id="256" r:id="rId3"/>
-    <p:sldId id="258" r:id="rId5"/>
-    <p:sldId id="279" r:id="rId6"/>
-    <p:sldId id="299" r:id="rId7"/>
-    <p:sldId id="285" r:id="rId8"/>
-    <p:sldId id="301" r:id="rId9"/>
-    <p:sldId id="287" r:id="rId10"/>
-    <p:sldId id="302" r:id="rId11"/>
-    <p:sldId id="294" r:id="rId12"/>
+    <p:sldId id="256" r:id="rId2"/>
+    <p:sldId id="258" r:id="rId3"/>
+    <p:sldId id="279" r:id="rId4"/>
+    <p:sldId id="299" r:id="rId5"/>
+    <p:sldId id="285" r:id="rId6"/>
+    <p:sldId id="301" r:id="rId7"/>
+    <p:sldId id="287" r:id="rId8"/>
+    <p:sldId id="302" r:id="rId9"/>
+    <p:sldId id="294" r:id="rId10"/>
   </p:sldIdLst>
   <p:sldSz cx="9144000" cy="6858000" type="screen4x3"/>
   <p:notesSz cx="6858000" cy="9144000"/>
   <p:embeddedFontLst>
     <p:embeddedFont>
-      <p:font typeface="Calibri" panose="020F0502020204030204"/>
-      <p:regular r:id="rId17"/>
-      <p:bold r:id="rId18"/>
-      <p:italic r:id="rId19"/>
-      <p:boldItalic r:id="rId20"/>
+      <p:font typeface="Arial Black" pitchFamily="34" charset="0"/>
+      <p:bold r:id="rId12"/>
     </p:embeddedFont>
     <p:embeddedFont>
-      <p:font typeface="Arial Black" panose="020B0A04020102020204"/>
-      <p:bold r:id="rId21"/>
+      <p:font typeface="Calibri" pitchFamily="34" charset="0"/>
+      <p:regular r:id="rId13"/>
+      <p:bold r:id="rId14"/>
+      <p:italic r:id="rId15"/>
+      <p:boldItalic r:id="rId16"/>
     </p:embeddedFont>
   </p:embeddedFontLst>
   <p:defaultTextStyle>
@@ -264,7 +264,7 @@
   </p:defaultTextStyle>
   <p:extLst>
     <p:ext uri="{EFAFB233-063F-42B5-8137-9DF3F51BA10A}">
-      <p15:sldGuideLst xmlns:p15="http://schemas.microsoft.com/office/powerpoint/2012/main">
+      <p15:sldGuideLst xmlns:p15="http://schemas.microsoft.com/office/powerpoint/2012/main" xmlns="">
         <p15:guide id="1" orient="horz" pos="2159" userDrawn="1">
           <p15:clr>
             <a:srgbClr val="A4A3A4"/>
@@ -488,10 +488,17 @@
               <a:defRPr sz="1100"/>
             </a:lvl9pPr>
           </a:lstStyle>
-          <a:p/>
+          <a:p>
+            <a:endParaRPr/>
+          </a:p>
         </p:txBody>
       </p:sp>
     </p:spTree>
+    <p:extLst>
+      <p:ext uri="{BB962C8B-B14F-4D97-AF65-F5344CB8AC3E}">
+        <p14:creationId xmlns:p14="http://schemas.microsoft.com/office/powerpoint/2010/main" val="1090896449"/>
+      </p:ext>
+    </p:extLst>
   </p:cSld>
   <p:clrMap bg1="lt1" tx1="dk1" bg2="dk2" tx2="lt2" accent1="accent1" accent2="accent2" accent3="accent3" accent4="accent4" accent5="accent5" accent6="accent6" hlink="hlink" folHlink="folHlink"/>
   <p:notesStyle>
@@ -727,7 +734,7 @@
 </file>
 
 <file path=ppt/notesSlides/notesSlide1.xml><?xml version="1.0" encoding="utf-8"?>
-<p:notes xmlns:a="http://schemas.openxmlformats.org/drawingml/2006/main" xmlns:r="http://schemas.openxmlformats.org/officeDocument/2006/relationships" xmlns:p="http://schemas.openxmlformats.org/presentationml/2006/main" showMasterPhAnim="0" showMasterSp="0">
+<p:notes xmlns:a="http://schemas.openxmlformats.org/drawingml/2006/main" xmlns:r="http://schemas.openxmlformats.org/officeDocument/2006/relationships" xmlns:p="http://schemas.openxmlformats.org/presentationml/2006/main" showMasterSp="0" showMasterPhAnim="0">
   <p:cSld>
     <p:spTree>
       <p:nvGrpSpPr>
@@ -777,6 +784,7 @@
               </a:spcAft>
               <a:buNone/>
             </a:pPr>
+            <a:endParaRPr/>
           </a:p>
         </p:txBody>
       </p:sp>
@@ -830,7 +838,7 @@
 </file>
 
 <file path=ppt/notesSlides/notesSlide2.xml><?xml version="1.0" encoding="utf-8"?>
-<p:notes xmlns:a="http://schemas.openxmlformats.org/drawingml/2006/main" xmlns:r="http://schemas.openxmlformats.org/officeDocument/2006/relationships" xmlns:p="http://schemas.openxmlformats.org/presentationml/2006/main" showMasterPhAnim="0" showMasterSp="0">
+<p:notes xmlns:a="http://schemas.openxmlformats.org/drawingml/2006/main" xmlns:r="http://schemas.openxmlformats.org/officeDocument/2006/relationships" xmlns:p="http://schemas.openxmlformats.org/presentationml/2006/main" showMasterSp="0" showMasterPhAnim="0">
   <p:cSld>
     <p:spTree>
       <p:nvGrpSpPr>
@@ -880,6 +888,7 @@
               </a:spcAft>
               <a:buNone/>
             </a:pPr>
+            <a:endParaRPr/>
           </a:p>
         </p:txBody>
       </p:sp>
@@ -933,7 +942,7 @@
 </file>
 
 <file path=ppt/notesSlides/notesSlide3.xml><?xml version="1.0" encoding="utf-8"?>
-<p:notes xmlns:a="http://schemas.openxmlformats.org/drawingml/2006/main" xmlns:r="http://schemas.openxmlformats.org/officeDocument/2006/relationships" xmlns:p="http://schemas.openxmlformats.org/presentationml/2006/main" showMasterPhAnim="0" showMasterSp="0">
+<p:notes xmlns:a="http://schemas.openxmlformats.org/drawingml/2006/main" xmlns:r="http://schemas.openxmlformats.org/officeDocument/2006/relationships" xmlns:p="http://schemas.openxmlformats.org/presentationml/2006/main" showMasterSp="0" showMasterPhAnim="0">
   <p:cSld>
     <p:spTree>
       <p:nvGrpSpPr>
@@ -983,6 +992,7 @@
               </a:spcAft>
               <a:buNone/>
             </a:pPr>
+            <a:endParaRPr/>
           </a:p>
         </p:txBody>
       </p:sp>
@@ -1036,7 +1046,7 @@
 </file>
 
 <file path=ppt/notesSlides/notesSlide4.xml><?xml version="1.0" encoding="utf-8"?>
-<p:notes xmlns:a="http://schemas.openxmlformats.org/drawingml/2006/main" xmlns:r="http://schemas.openxmlformats.org/officeDocument/2006/relationships" xmlns:p="http://schemas.openxmlformats.org/presentationml/2006/main" showMasterPhAnim="0" showMasterSp="0">
+<p:notes xmlns:a="http://schemas.openxmlformats.org/drawingml/2006/main" xmlns:r="http://schemas.openxmlformats.org/officeDocument/2006/relationships" xmlns:p="http://schemas.openxmlformats.org/presentationml/2006/main" showMasterSp="0" showMasterPhAnim="0">
   <p:cSld>
     <p:spTree>
       <p:nvGrpSpPr>
@@ -1086,6 +1096,7 @@
               </a:spcAft>
               <a:buNone/>
             </a:pPr>
+            <a:endParaRPr/>
           </a:p>
         </p:txBody>
       </p:sp>
@@ -1139,7 +1150,7 @@
 </file>
 
 <file path=ppt/slideLayouts/slideLayout1.xml><?xml version="1.0" encoding="utf-8"?>
-<p:sldLayout xmlns:a="http://schemas.openxmlformats.org/drawingml/2006/main" xmlns:r="http://schemas.openxmlformats.org/officeDocument/2006/relationships" xmlns:p="http://schemas.openxmlformats.org/presentationml/2006/main" type="blank" matchingName="Blank">
+<p:sldLayout xmlns:a="http://schemas.openxmlformats.org/drawingml/2006/main" xmlns:r="http://schemas.openxmlformats.org/officeDocument/2006/relationships" xmlns:p="http://schemas.openxmlformats.org/presentationml/2006/main" matchingName="Blank" type="blank">
   <p:cSld name="BLANK">
     <p:spTree>
       <p:nvGrpSpPr>
@@ -1283,7 +1294,9 @@
               <a:defRPr/>
             </a:lvl9pPr>
           </a:lstStyle>
-          <a:p/>
+          <a:p>
+            <a:endParaRPr/>
+          </a:p>
         </p:txBody>
       </p:sp>
       <p:sp>
@@ -1414,7 +1427,9 @@
               <a:defRPr/>
             </a:lvl9pPr>
           </a:lstStyle>
-          <a:p/>
+          <a:p>
+            <a:endParaRPr/>
+          </a:p>
         </p:txBody>
       </p:sp>
       <p:sp>
@@ -1521,6 +1536,7 @@
             </a:pPr>
             <a:fld id="{00000000-1234-1234-1234-123412341234}" type="slidenum">
               <a:rPr lang="en-US"/>
+              <a:t>‹#›</a:t>
             </a:fld>
             <a:endParaRPr lang="en-US"/>
           </a:p>
@@ -1538,7 +1554,7 @@
 </file>
 
 <file path=ppt/slideLayouts/slideLayout2.xml><?xml version="1.0" encoding="utf-8"?>
-<p:sldLayout xmlns:a="http://schemas.openxmlformats.org/drawingml/2006/main" xmlns:r="http://schemas.openxmlformats.org/officeDocument/2006/relationships" xmlns:p="http://schemas.openxmlformats.org/presentationml/2006/main" type="title" matchingName="Title Slide">
+<p:sldLayout xmlns:a="http://schemas.openxmlformats.org/drawingml/2006/main" xmlns:r="http://schemas.openxmlformats.org/officeDocument/2006/relationships" xmlns:p="http://schemas.openxmlformats.org/presentationml/2006/main" matchingName="Title Slide" type="title">
   <p:cSld name="TITLE">
     <p:spTree>
       <p:nvGrpSpPr>
@@ -1687,7 +1703,9 @@
               <a:defRPr/>
             </a:lvl9pPr>
           </a:lstStyle>
-          <a:p/>
+          <a:p>
+            <a:endParaRPr/>
+          </a:p>
         </p:txBody>
       </p:sp>
       <p:sp>
@@ -1881,7 +1899,9 @@
               </a:defRPr>
             </a:lvl9pPr>
           </a:lstStyle>
-          <a:p/>
+          <a:p>
+            <a:endParaRPr/>
+          </a:p>
         </p:txBody>
       </p:sp>
       <p:sp>
@@ -2012,7 +2032,9 @@
               <a:defRPr/>
             </a:lvl9pPr>
           </a:lstStyle>
-          <a:p/>
+          <a:p>
+            <a:endParaRPr/>
+          </a:p>
         </p:txBody>
       </p:sp>
       <p:sp>
@@ -2143,7 +2165,9 @@
               <a:defRPr/>
             </a:lvl9pPr>
           </a:lstStyle>
-          <a:p/>
+          <a:p>
+            <a:endParaRPr/>
+          </a:p>
         </p:txBody>
       </p:sp>
       <p:sp>
@@ -2322,6 +2346,7 @@
             </a:pPr>
             <a:fld id="{00000000-1234-1234-1234-123412341234}" type="slidenum">
               <a:rPr lang="en-US"/>
+              <a:t>‹#›</a:t>
             </a:fld>
             <a:endParaRPr lang="en-US"/>
           </a:p>
@@ -2339,7 +2364,7 @@
 </file>
 
 <file path=ppt/slideLayouts/slideLayout3.xml><?xml version="1.0" encoding="utf-8"?>
-<p:sldLayout xmlns:a="http://schemas.openxmlformats.org/drawingml/2006/main" xmlns:r="http://schemas.openxmlformats.org/officeDocument/2006/relationships" xmlns:p="http://schemas.openxmlformats.org/presentationml/2006/main" type="obj" matchingName="Title and Content">
+<p:sldLayout xmlns:a="http://schemas.openxmlformats.org/drawingml/2006/main" xmlns:r="http://schemas.openxmlformats.org/officeDocument/2006/relationships" xmlns:p="http://schemas.openxmlformats.org/presentationml/2006/main" matchingName="Title and Content" type="obj">
   <p:cSld name="OBJECT">
     <p:spTree>
       <p:nvGrpSpPr>
@@ -2680,7 +2705,9 @@
               <a:defRPr/>
             </a:lvl9pPr>
           </a:lstStyle>
-          <a:p/>
+          <a:p>
+            <a:endParaRPr/>
+          </a:p>
         </p:txBody>
       </p:sp>
       <p:sp>
@@ -2863,7 +2890,9 @@
               <a:defRPr/>
             </a:lvl9pPr>
           </a:lstStyle>
-          <a:p/>
+          <a:p>
+            <a:endParaRPr/>
+          </a:p>
         </p:txBody>
       </p:sp>
       <p:sp>
@@ -2994,7 +3023,9 @@
               <a:defRPr/>
             </a:lvl9pPr>
           </a:lstStyle>
-          <a:p/>
+          <a:p>
+            <a:endParaRPr/>
+          </a:p>
         </p:txBody>
       </p:sp>
       <p:sp>
@@ -3125,7 +3156,9 @@
               <a:defRPr/>
             </a:lvl9pPr>
           </a:lstStyle>
-          <a:p/>
+          <a:p>
+            <a:endParaRPr/>
+          </a:p>
         </p:txBody>
       </p:sp>
       <p:sp>
@@ -3304,6 +3337,7 @@
             </a:pPr>
             <a:fld id="{00000000-1234-1234-1234-123412341234}" type="slidenum">
               <a:rPr lang="en-US"/>
+              <a:t>‹#›</a:t>
             </a:fld>
             <a:endParaRPr lang="en-US"/>
           </a:p>
@@ -3545,7 +3579,9 @@
               </a:defRPr>
             </a:lvl9pPr>
           </a:lstStyle>
-          <a:p/>
+          <a:p>
+            <a:endParaRPr/>
+          </a:p>
         </p:txBody>
       </p:sp>
       <p:sp>
@@ -3784,7 +3820,9 @@
               </a:defRPr>
             </a:lvl9pPr>
           </a:lstStyle>
-          <a:p/>
+          <a:p>
+            <a:endParaRPr/>
+          </a:p>
         </p:txBody>
       </p:sp>
       <p:sp>
@@ -3987,7 +4025,9 @@
               </a:defRPr>
             </a:lvl9pPr>
           </a:lstStyle>
-          <a:p/>
+          <a:p>
+            <a:endParaRPr/>
+          </a:p>
         </p:txBody>
       </p:sp>
       <p:sp>
@@ -4190,7 +4230,9 @@
               </a:defRPr>
             </a:lvl9pPr>
           </a:lstStyle>
-          <a:p/>
+          <a:p>
+            <a:endParaRPr/>
+          </a:p>
         </p:txBody>
       </p:sp>
       <p:sp>
@@ -4369,6 +4411,7 @@
             </a:pPr>
             <a:fld id="{00000000-1234-1234-1234-123412341234}" type="slidenum">
               <a:rPr lang="en-US"/>
+              <a:t>‹#›</a:t>
             </a:fld>
             <a:endParaRPr lang="en-US"/>
           </a:p>
@@ -4477,7 +4520,7 @@
           <p:nvPr/>
         </p:nvPicPr>
         <p:blipFill rotWithShape="1">
-          <a:blip r:embed="rId4"/>
+          <a:blip r:embed="rId5"/>
           <a:srcRect b="10713"/>
           <a:stretch>
             <a:fillRect/>
@@ -4504,7 +4547,7 @@
           <p:nvPr/>
         </p:nvPicPr>
         <p:blipFill rotWithShape="1">
-          <a:blip r:embed="rId4"/>
+          <a:blip r:embed="rId5"/>
           <a:srcRect b="10713"/>
           <a:stretch>
             <a:fillRect/>
@@ -4593,7 +4636,7 @@
             <p:nvPr/>
           </p:nvPicPr>
           <p:blipFill rotWithShape="1">
-            <a:blip r:embed="rId4"/>
+            <a:blip r:embed="rId5"/>
             <a:srcRect b="10713"/>
             <a:stretch>
               <a:fillRect/>
@@ -4669,7 +4712,7 @@
           <p:nvPr/>
         </p:nvPicPr>
         <p:blipFill rotWithShape="1">
-          <a:blip r:embed="rId5"/>
+          <a:blip r:embed="rId6"/>
           <a:srcRect/>
           <a:stretch>
             <a:fillRect/>
@@ -5456,15 +5499,6 @@
               </a:rPr>
               <a:t>Back End Engineering-I Project</a:t>
             </a:r>
-            <a:endParaRPr lang="en-US" sz="2800" b="1" dirty="0">
-              <a:solidFill>
-                <a:srgbClr val="FF0000"/>
-              </a:solidFill>
-              <a:latin typeface="Times New Roman" panose="02020603050405020304" pitchFamily="18" charset="0"/>
-              <a:ea typeface="Arial Black" panose="020B0A04020102020204"/>
-              <a:cs typeface="Times New Roman" panose="02020603050405020304" pitchFamily="18" charset="0"/>
-              <a:sym typeface="Arial Black" panose="020B0A04020102020204"/>
-            </a:endParaRPr>
           </a:p>
           <a:p>
             <a:pPr algn="ctr"/>
@@ -5524,15 +5558,6 @@
               </a:rPr>
               <a:t>:</a:t>
             </a:r>
-            <a:endParaRPr lang="en-US" sz="2000">
-              <a:solidFill>
-                <a:schemeClr val="dk1"/>
-              </a:solidFill>
-              <a:latin typeface="Times New Roman" panose="02020603050405020304"/>
-              <a:ea typeface="Times New Roman" panose="02020603050405020304"/>
-              <a:cs typeface="Times New Roman" panose="02020603050405020304"/>
-              <a:sym typeface="Times New Roman" panose="02020603050405020304"/>
-            </a:endParaRPr>
           </a:p>
           <a:p>
             <a:pPr marL="0" marR="0" lvl="0" indent="0" algn="l" rtl="0">
@@ -5678,19 +5703,7 @@
                 <a:cs typeface="Times New Roman" panose="02020603050405020304" pitchFamily="18" charset="0"/>
                 <a:sym typeface="Calibri" panose="020F0502020204030204"/>
               </a:rPr>
-              <a:t>RAMANJOT KAUR	     2310992189 (G-25)  ramanjot2189.be23</a:t>
-            </a:r>
-            <a:r>
-              <a:rPr lang="en-US" sz="1800" dirty="0">
-                <a:solidFill>
-                  <a:schemeClr val="dk1"/>
-                </a:solidFill>
-                <a:latin typeface="Times New Roman" panose="02020603050405020304" pitchFamily="18" charset="0"/>
-                <a:ea typeface="Calibri" panose="020F0502020204030204"/>
-                <a:cs typeface="Times New Roman" panose="02020603050405020304" pitchFamily="18" charset="0"/>
-                <a:sym typeface="Calibri" panose="020F0502020204030204"/>
-              </a:rPr>
-              <a:t>@chitkara.edu.in</a:t>
+              <a:t>RAMANJOT KAUR	     2310992189 (G-25)  ramanjot2189.be23@chitkara.edu.in</a:t>
             </a:r>
             <a:endParaRPr lang="en-US" sz="1800" dirty="0">
               <a:solidFill>
@@ -5711,29 +5724,8 @@
                 <a:cs typeface="Times New Roman" panose="02020603050405020304" pitchFamily="18" charset="0"/>
                 <a:sym typeface="Calibri" panose="020F0502020204030204"/>
               </a:rPr>
-              <a:t>SAHIRA	 		     2310992199 (G-25)   sahira2199.be23</a:t>
+              <a:t>SAHIRA	 		     2310992199 (G-25)   sahira2199.be23@chitkara.edu.in</a:t>
             </a:r>
-            <a:r>
-              <a:rPr lang="en-US" sz="1800" dirty="0">
-                <a:solidFill>
-                  <a:schemeClr val="dk1"/>
-                </a:solidFill>
-                <a:latin typeface="Times New Roman" panose="02020603050405020304" pitchFamily="18" charset="0"/>
-                <a:ea typeface="Calibri" panose="020F0502020204030204"/>
-                <a:cs typeface="Times New Roman" panose="02020603050405020304" pitchFamily="18" charset="0"/>
-                <a:sym typeface="Calibri" panose="020F0502020204030204"/>
-              </a:rPr>
-              <a:t>@chitkara.edu.in</a:t>
-            </a:r>
-            <a:endParaRPr lang="en-US" sz="1800" dirty="0">
-              <a:solidFill>
-                <a:schemeClr val="dk1"/>
-              </a:solidFill>
-              <a:latin typeface="Times New Roman" panose="02020603050405020304" pitchFamily="18" charset="0"/>
-              <a:ea typeface="Calibri" panose="020F0502020204030204"/>
-              <a:cs typeface="Times New Roman" panose="02020603050405020304" pitchFamily="18" charset="0"/>
-              <a:sym typeface="Calibri" panose="020F0502020204030204"/>
-            </a:endParaRPr>
           </a:p>
           <a:p>
             <a:r>
@@ -5834,15 +5826,6 @@
               </a:rPr>
               <a:t>Internal Faculty: Dr. Shikha                                    Project Id: 5</a:t>
             </a:r>
-            <a:endParaRPr lang="en-US" sz="1800" dirty="0">
-              <a:solidFill>
-                <a:schemeClr val="tx1"/>
-              </a:solidFill>
-              <a:latin typeface="Times New Roman" panose="02020603050405020304" pitchFamily="18" charset="0"/>
-              <a:ea typeface="Calibri" panose="020F0502020204030204"/>
-              <a:cs typeface="Times New Roman" panose="02020603050405020304" pitchFamily="18" charset="0"/>
-              <a:sym typeface="Calibri" panose="020F0502020204030204"/>
-            </a:endParaRPr>
           </a:p>
           <a:p>
             <a:pPr marL="0" marR="0" lvl="0" indent="0" rtl="0">
@@ -5866,15 +5849,6 @@
               </a:rPr>
               <a:t>External Faculty: Mr.Vikas Patel</a:t>
             </a:r>
-            <a:endParaRPr lang="en-US" sz="1800" dirty="0">
-              <a:solidFill>
-                <a:schemeClr val="tx1"/>
-              </a:solidFill>
-              <a:latin typeface="Times New Roman" panose="02020603050405020304" pitchFamily="18" charset="0"/>
-              <a:ea typeface="Calibri" panose="020F0502020204030204"/>
-              <a:cs typeface="Times New Roman" panose="02020603050405020304" pitchFamily="18" charset="0"/>
-              <a:sym typeface="Calibri" panose="020F0502020204030204"/>
-            </a:endParaRPr>
           </a:p>
         </p:txBody>
       </p:sp>
@@ -6006,10 +5980,6 @@
               </a:rPr>
               <a:t>Registration Form</a:t>
             </a:r>
-            <a:endParaRPr lang="en-US" sz="2800" b="1" dirty="0">
-              <a:latin typeface="Times New Roman" panose="02020603050405020304" pitchFamily="18" charset="0"/>
-              <a:cs typeface="Times New Roman" panose="02020603050405020304" pitchFamily="18" charset="0"/>
-            </a:endParaRPr>
           </a:p>
         </p:txBody>
       </p:sp>
@@ -6153,15 +6123,6 @@
               </a:rPr>
               <a:t>Introduction</a:t>
             </a:r>
-            <a:endParaRPr lang="en-US" sz="2400" dirty="0">
-              <a:solidFill>
-                <a:schemeClr val="dk1"/>
-              </a:solidFill>
-              <a:latin typeface="Times New Roman" panose="02020603050405020304"/>
-              <a:ea typeface="Times New Roman" panose="02020603050405020304"/>
-              <a:cs typeface="Times New Roman" panose="02020603050405020304"/>
-              <a:sym typeface="Times New Roman" panose="02020603050405020304"/>
-            </a:endParaRPr>
           </a:p>
           <a:p>
             <a:pPr marL="279400" marR="0" lvl="0" indent="-457200" algn="l" rtl="0">
@@ -6190,12 +6151,6 @@
               </a:rPr>
               <a:t>Technical Details</a:t>
             </a:r>
-            <a:endParaRPr lang="en-US" sz="2400" dirty="0">
-              <a:solidFill>
-                <a:schemeClr val="dk1"/>
-              </a:solidFill>
-              <a:latin typeface="Times New Roman" panose="02020603050405020304"/>
-            </a:endParaRPr>
           </a:p>
           <a:p>
             <a:pPr marL="279400" marR="0" lvl="0" indent="-457200" algn="l" rtl="0">
@@ -6227,15 +6182,6 @@
               </a:rPr>
               <a:t>Code Snippets</a:t>
             </a:r>
-            <a:endParaRPr lang="en-US" sz="2400" dirty="0">
-              <a:solidFill>
-                <a:schemeClr val="dk1"/>
-              </a:solidFill>
-              <a:latin typeface="Times New Roman" panose="02020603050405020304"/>
-              <a:ea typeface="Times New Roman" panose="02020603050405020304"/>
-              <a:cs typeface="Times New Roman" panose="02020603050405020304"/>
-              <a:sym typeface="Times New Roman" panose="02020603050405020304"/>
-            </a:endParaRPr>
           </a:p>
           <a:p>
             <a:pPr marL="279400" marR="0" lvl="0" indent="-457200" algn="l" rtl="0">
@@ -6266,14 +6212,6 @@
               </a:rPr>
               <a:t>Output</a:t>
             </a:r>
-            <a:endParaRPr lang="en-US" sz="2400" dirty="0">
-              <a:solidFill>
-                <a:schemeClr val="dk1"/>
-              </a:solidFill>
-              <a:latin typeface="Times New Roman" panose="02020603050405020304"/>
-              <a:cs typeface="Times New Roman" panose="02020603050405020304"/>
-              <a:sym typeface="Times New Roman" panose="02020603050405020304"/>
-            </a:endParaRPr>
           </a:p>
           <a:p>
             <a:pPr marL="279400" marR="0" lvl="0" indent="-457200" algn="l" rtl="0">
@@ -6493,14 +6431,6 @@
               </a:rPr>
               <a:t> A simple web application where users can submit their details through a form, which are then captured and stored in a backend system (Node.js) using JSON format.</a:t>
             </a:r>
-            <a:endParaRPr lang="en-US" altLang="en-US" sz="2000" dirty="0">
-              <a:solidFill>
-                <a:schemeClr val="dk1"/>
-              </a:solidFill>
-              <a:latin typeface="Times New Roman" panose="02020603050405020304" pitchFamily="18" charset="0"/>
-              <a:ea typeface="Times New Roman" panose="02020603050405020304"/>
-              <a:cs typeface="Times New Roman" panose="02020603050405020304" pitchFamily="18" charset="0"/>
-            </a:endParaRPr>
           </a:p>
           <a:p>
             <a:pPr algn="just">
@@ -6530,14 +6460,6 @@
               </a:rPr>
               <a:t> To demonstrate how to connect the frontend with the backend, handle user input, and store/retrieve data using HTTP requests.</a:t>
             </a:r>
-            <a:endParaRPr lang="en-US" altLang="en-US" sz="2000" dirty="0">
-              <a:solidFill>
-                <a:schemeClr val="dk1"/>
-              </a:solidFill>
-              <a:latin typeface="Times New Roman" panose="02020603050405020304" pitchFamily="18" charset="0"/>
-              <a:ea typeface="Times New Roman" panose="02020603050405020304"/>
-              <a:cs typeface="Times New Roman" panose="02020603050405020304" pitchFamily="18" charset="0"/>
-            </a:endParaRPr>
           </a:p>
           <a:p>
             <a:pPr algn="just">
@@ -6556,14 +6478,6 @@
               </a:rPr>
               <a:t>Key Technologies Used:</a:t>
             </a:r>
-            <a:endParaRPr lang="en-US" altLang="en-US" sz="2000" b="1" dirty="0">
-              <a:solidFill>
-                <a:schemeClr val="dk1"/>
-              </a:solidFill>
-              <a:latin typeface="Times New Roman" panose="02020603050405020304" pitchFamily="18" charset="0"/>
-              <a:ea typeface="Times New Roman" panose="02020603050405020304"/>
-              <a:cs typeface="Times New Roman" panose="02020603050405020304" pitchFamily="18" charset="0"/>
-            </a:endParaRPr>
           </a:p>
           <a:p>
             <a:pPr marL="342900" indent="-342900" algn="just">
@@ -6584,14 +6498,6 @@
               </a:rPr>
               <a:t>Frontend: HTML, CSS, JavaScript</a:t>
             </a:r>
-            <a:endParaRPr lang="en-US" altLang="en-US" sz="2000" dirty="0">
-              <a:solidFill>
-                <a:schemeClr val="dk1"/>
-              </a:solidFill>
-              <a:latin typeface="Times New Roman" panose="02020603050405020304" pitchFamily="18" charset="0"/>
-              <a:ea typeface="Times New Roman" panose="02020603050405020304"/>
-              <a:cs typeface="Times New Roman" panose="02020603050405020304" pitchFamily="18" charset="0"/>
-            </a:endParaRPr>
           </a:p>
           <a:p>
             <a:pPr marL="342900" indent="-342900" algn="just">
@@ -6612,14 +6518,6 @@
               </a:rPr>
               <a:t>Backend: Node.js, File System (for storing data in JSON format)</a:t>
             </a:r>
-            <a:endParaRPr lang="en-US" altLang="en-US" sz="2000" dirty="0">
-              <a:solidFill>
-                <a:schemeClr val="dk1"/>
-              </a:solidFill>
-              <a:latin typeface="Times New Roman" panose="02020603050405020304" pitchFamily="18" charset="0"/>
-              <a:ea typeface="Times New Roman" panose="02020603050405020304"/>
-              <a:cs typeface="Times New Roman" panose="02020603050405020304" pitchFamily="18" charset="0"/>
-            </a:endParaRPr>
           </a:p>
           <a:p>
             <a:pPr marL="342900" indent="-342900" algn="just">
@@ -6640,14 +6538,6 @@
               </a:rPr>
               <a:t>Communication: Fetch API for data exchange between frontend and backend</a:t>
             </a:r>
-            <a:endParaRPr lang="en-US" altLang="en-US" sz="2000" dirty="0">
-              <a:solidFill>
-                <a:schemeClr val="dk1"/>
-              </a:solidFill>
-              <a:latin typeface="Times New Roman" panose="02020603050405020304" pitchFamily="18" charset="0"/>
-              <a:ea typeface="Times New Roman" panose="02020603050405020304"/>
-              <a:cs typeface="Times New Roman" panose="02020603050405020304" pitchFamily="18" charset="0"/>
-            </a:endParaRPr>
           </a:p>
         </p:txBody>
       </p:sp>
@@ -6770,14 +6660,6 @@
               </a:rPr>
               <a:t>Frontend:</a:t>
             </a:r>
-            <a:endParaRPr lang="en-US" altLang="en-US" sz="2000" b="1" dirty="0">
-              <a:solidFill>
-                <a:schemeClr val="dk1"/>
-              </a:solidFill>
-              <a:latin typeface="Times New Roman" panose="02020603050405020304" pitchFamily="18" charset="0"/>
-              <a:ea typeface="Times New Roman" panose="02020603050405020304"/>
-              <a:cs typeface="Times New Roman" panose="02020603050405020304" pitchFamily="18" charset="0"/>
-            </a:endParaRPr>
           </a:p>
           <a:p>
             <a:pPr marL="342900" indent="-342900" algn="just">
@@ -6798,14 +6680,6 @@
               </a:rPr>
               <a:t>HTML Form: Collects user data (name, email, etc.).</a:t>
             </a:r>
-            <a:endParaRPr lang="en-US" altLang="en-US" sz="2000" dirty="0">
-              <a:solidFill>
-                <a:schemeClr val="dk1"/>
-              </a:solidFill>
-              <a:latin typeface="Times New Roman" panose="02020603050405020304" pitchFamily="18" charset="0"/>
-              <a:ea typeface="Times New Roman" panose="02020603050405020304"/>
-              <a:cs typeface="Times New Roman" panose="02020603050405020304" pitchFamily="18" charset="0"/>
-            </a:endParaRPr>
           </a:p>
           <a:p>
             <a:pPr marL="342900" indent="-342900" algn="just">
@@ -6826,14 +6700,6 @@
               </a:rPr>
               <a:t>CSS: Basic styling for a responsive and user-friendly form.</a:t>
             </a:r>
-            <a:endParaRPr lang="en-US" altLang="en-US" sz="2000" dirty="0">
-              <a:solidFill>
-                <a:schemeClr val="dk1"/>
-              </a:solidFill>
-              <a:latin typeface="Times New Roman" panose="02020603050405020304" pitchFamily="18" charset="0"/>
-              <a:ea typeface="Times New Roman" panose="02020603050405020304"/>
-              <a:cs typeface="Times New Roman" panose="02020603050405020304" pitchFamily="18" charset="0"/>
-            </a:endParaRPr>
           </a:p>
           <a:p>
             <a:pPr marL="342900" indent="-342900" algn="just">
@@ -6854,14 +6720,6 @@
               </a:rPr>
               <a:t>JavaScript: Captures input and sends data via POST request using fetch().</a:t>
             </a:r>
-            <a:endParaRPr lang="en-US" altLang="en-US" sz="2000" dirty="0">
-              <a:solidFill>
-                <a:schemeClr val="dk1"/>
-              </a:solidFill>
-              <a:latin typeface="Times New Roman" panose="02020603050405020304" pitchFamily="18" charset="0"/>
-              <a:ea typeface="Times New Roman" panose="02020603050405020304"/>
-              <a:cs typeface="Times New Roman" panose="02020603050405020304" pitchFamily="18" charset="0"/>
-            </a:endParaRPr>
           </a:p>
           <a:p>
             <a:pPr marL="342900" indent="-342900" algn="just">
@@ -6882,14 +6740,6 @@
               </a:rPr>
               <a:t>DOM Manipulation: Updates UI dynamically based on backend response.</a:t>
             </a:r>
-            <a:endParaRPr lang="en-US" altLang="en-US" sz="2000" dirty="0">
-              <a:solidFill>
-                <a:schemeClr val="dk1"/>
-              </a:solidFill>
-              <a:latin typeface="Times New Roman" panose="02020603050405020304" pitchFamily="18" charset="0"/>
-              <a:ea typeface="Times New Roman" panose="02020603050405020304"/>
-              <a:cs typeface="Times New Roman" panose="02020603050405020304" pitchFamily="18" charset="0"/>
-            </a:endParaRPr>
           </a:p>
           <a:p>
             <a:pPr algn="just">
@@ -6908,14 +6758,6 @@
               </a:rPr>
               <a:t>Backend:</a:t>
             </a:r>
-            <a:endParaRPr lang="en-US" altLang="en-US" sz="2000" b="1" dirty="0">
-              <a:solidFill>
-                <a:schemeClr val="dk1"/>
-              </a:solidFill>
-              <a:latin typeface="Times New Roman" panose="02020603050405020304" pitchFamily="18" charset="0"/>
-              <a:ea typeface="Times New Roman" panose="02020603050405020304"/>
-              <a:cs typeface="Times New Roman" panose="02020603050405020304" pitchFamily="18" charset="0"/>
-            </a:endParaRPr>
           </a:p>
           <a:p>
             <a:pPr marL="342900" indent="-342900" algn="just">
@@ -6936,14 +6778,6 @@
               </a:rPr>
               <a:t>Node.js: Sets up a simple server using http.</a:t>
             </a:r>
-            <a:endParaRPr lang="en-US" altLang="en-US" sz="2000" dirty="0">
-              <a:solidFill>
-                <a:schemeClr val="dk1"/>
-              </a:solidFill>
-              <a:latin typeface="Times New Roman" panose="02020603050405020304" pitchFamily="18" charset="0"/>
-              <a:ea typeface="Times New Roman" panose="02020603050405020304"/>
-              <a:cs typeface="Times New Roman" panose="02020603050405020304" pitchFamily="18" charset="0"/>
-            </a:endParaRPr>
           </a:p>
           <a:p>
             <a:pPr marL="342900" indent="-342900" algn="just">
@@ -6964,14 +6798,6 @@
               </a:rPr>
               <a:t>File System (fs): Reads and writes user data to a JSON file.</a:t>
             </a:r>
-            <a:endParaRPr lang="en-US" altLang="en-US" sz="2000" dirty="0">
-              <a:solidFill>
-                <a:schemeClr val="dk1"/>
-              </a:solidFill>
-              <a:latin typeface="Times New Roman" panose="02020603050405020304" pitchFamily="18" charset="0"/>
-              <a:ea typeface="Times New Roman" panose="02020603050405020304"/>
-              <a:cs typeface="Times New Roman" panose="02020603050405020304" pitchFamily="18" charset="0"/>
-            </a:endParaRPr>
           </a:p>
           <a:p>
             <a:pPr marL="342900" indent="-342900" algn="just">
@@ -6992,14 +6818,6 @@
               </a:rPr>
               <a:t>JSON File: Stores user data in a structured format (array of objects).</a:t>
             </a:r>
-            <a:endParaRPr lang="en-US" altLang="en-US" sz="2000" dirty="0">
-              <a:solidFill>
-                <a:schemeClr val="dk1"/>
-              </a:solidFill>
-              <a:latin typeface="Times New Roman" panose="02020603050405020304" pitchFamily="18" charset="0"/>
-              <a:ea typeface="Times New Roman" panose="02020603050405020304"/>
-              <a:cs typeface="Times New Roman" panose="02020603050405020304" pitchFamily="18" charset="0"/>
-            </a:endParaRPr>
           </a:p>
           <a:p>
             <a:pPr marL="342900" indent="-342900" algn="just">
@@ -7020,14 +6838,6 @@
               </a:rPr>
               <a:t>HTTP Requests:</a:t>
             </a:r>
-            <a:endParaRPr lang="en-US" altLang="en-US" sz="2000" dirty="0">
-              <a:solidFill>
-                <a:schemeClr val="dk1"/>
-              </a:solidFill>
-              <a:latin typeface="Times New Roman" panose="02020603050405020304" pitchFamily="18" charset="0"/>
-              <a:ea typeface="Times New Roman" panose="02020603050405020304"/>
-              <a:cs typeface="Times New Roman" panose="02020603050405020304" pitchFamily="18" charset="0"/>
-            </a:endParaRPr>
           </a:p>
           <a:p>
             <a:pPr marL="342900" indent="-342900" algn="just">
@@ -7048,14 +6858,6 @@
               </a:rPr>
               <a:t>POST: Sends user data from frontend to backend.</a:t>
             </a:r>
-            <a:endParaRPr lang="en-US" altLang="en-US" sz="2000" dirty="0">
-              <a:solidFill>
-                <a:schemeClr val="dk1"/>
-              </a:solidFill>
-              <a:latin typeface="Times New Roman" panose="02020603050405020304" pitchFamily="18" charset="0"/>
-              <a:ea typeface="Times New Roman" panose="02020603050405020304"/>
-              <a:cs typeface="Times New Roman" panose="02020603050405020304" pitchFamily="18" charset="0"/>
-            </a:endParaRPr>
           </a:p>
           <a:p>
             <a:pPr marL="342900" indent="-342900" algn="just">
@@ -7076,14 +6878,6 @@
               </a:rPr>
               <a:t>GET: Retrieves stored data from backend.</a:t>
             </a:r>
-            <a:endParaRPr lang="en-US" altLang="en-US" sz="2000" dirty="0">
-              <a:solidFill>
-                <a:schemeClr val="dk1"/>
-              </a:solidFill>
-              <a:latin typeface="Times New Roman" panose="02020603050405020304" pitchFamily="18" charset="0"/>
-              <a:ea typeface="Times New Roman" panose="02020603050405020304"/>
-              <a:cs typeface="Times New Roman" panose="02020603050405020304" pitchFamily="18" charset="0"/>
-            </a:endParaRPr>
           </a:p>
         </p:txBody>
       </p:sp>
@@ -7107,7 +6901,14 @@
         <p:cNvGrpSpPr/>
         <p:nvPr/>
       </p:nvGrpSpPr>
-      <p:grpSpPr/>
+      <p:grpSpPr>
+        <a:xfrm>
+          <a:off x="0" y="0"/>
+          <a:ext cx="0" cy="0"/>
+          <a:chOff x="0" y="0"/>
+          <a:chExt cx="0" cy="0"/>
+        </a:xfrm>
+      </p:grpSpPr>
       <p:sp>
         <p:nvSpPr>
           <p:cNvPr id="3" name="Text Box 2"/>
@@ -7128,6 +6929,7 @@
           <a:bodyPr wrap="square" rtlCol="0">
             <a:noAutofit/>
           </a:bodyPr>
+          <a:lstStyle/>
           <a:p>
             <a:r>
               <a:rPr lang="en-US" sz="3200">
@@ -7136,10 +6938,6 @@
               </a:rPr>
               <a:t>Code Snippets</a:t>
             </a:r>
-            <a:endParaRPr lang="en-US" sz="3200">
-              <a:latin typeface="Times New Roman" panose="02020603050405020304" pitchFamily="18" charset="0"/>
-              <a:cs typeface="Times New Roman" panose="02020603050405020304" pitchFamily="18" charset="0"/>
-            </a:endParaRPr>
           </a:p>
         </p:txBody>
       </p:sp>
@@ -7163,6 +6961,7 @@
           <a:bodyPr wrap="square" rtlCol="0">
             <a:noAutofit/>
           </a:bodyPr>
+          <a:lstStyle/>
           <a:p>
             <a:pPr marL="0" indent="0" algn="just">
               <a:buFont typeface="Arial" panose="020B0604020202020204" pitchFamily="34" charset="0"/>
@@ -7184,7 +6983,7 @@
           <p:nvPr/>
         </p:nvPicPr>
         <p:blipFill>
-          <a:blip r:embed="rId1"/>
+          <a:blip r:embed="rId2"/>
           <a:stretch>
             <a:fillRect/>
           </a:stretch>
@@ -7219,7 +7018,14 @@
         <p:cNvGrpSpPr/>
         <p:nvPr/>
       </p:nvGrpSpPr>
-      <p:grpSpPr/>
+      <p:grpSpPr>
+        <a:xfrm>
+          <a:off x="0" y="0"/>
+          <a:ext cx="0" cy="0"/>
+          <a:chOff x="0" y="0"/>
+          <a:chExt cx="0" cy="0"/>
+        </a:xfrm>
+      </p:grpSpPr>
       <p:sp>
         <p:nvSpPr>
           <p:cNvPr id="3" name="Text Box 2"/>
@@ -7240,6 +7046,7 @@
           <a:bodyPr wrap="square" rtlCol="0">
             <a:noAutofit/>
           </a:bodyPr>
+          <a:lstStyle/>
           <a:p>
             <a:r>
               <a:rPr lang="en-US" sz="3200">
@@ -7248,10 +7055,6 @@
               </a:rPr>
               <a:t>Code Snippets</a:t>
             </a:r>
-            <a:endParaRPr lang="en-US" sz="3200">
-              <a:latin typeface="Times New Roman" panose="02020603050405020304" pitchFamily="18" charset="0"/>
-              <a:cs typeface="Times New Roman" panose="02020603050405020304" pitchFamily="18" charset="0"/>
-            </a:endParaRPr>
           </a:p>
         </p:txBody>
       </p:sp>
@@ -7275,6 +7078,7 @@
           <a:bodyPr wrap="square" rtlCol="0">
             <a:noAutofit/>
           </a:bodyPr>
+          <a:lstStyle/>
           <a:p>
             <a:pPr marL="0" indent="0" algn="just">
               <a:buFont typeface="Arial" panose="020B0604020202020204" pitchFamily="34" charset="0"/>
@@ -7296,7 +7100,7 @@
           <p:nvPr/>
         </p:nvPicPr>
         <p:blipFill>
-          <a:blip r:embed="rId1"/>
+          <a:blip r:embed="rId2"/>
           <a:stretch>
             <a:fillRect/>
           </a:stretch>
@@ -7368,10 +7172,6 @@
               </a:rPr>
               <a:t>Output</a:t>
             </a:r>
-            <a:endParaRPr lang="en-US" sz="3200" dirty="0">
-              <a:latin typeface="Times New Roman" panose="02020603050405020304" pitchFamily="18" charset="0"/>
-              <a:cs typeface="Times New Roman" panose="02020603050405020304" pitchFamily="18" charset="0"/>
-            </a:endParaRPr>
           </a:p>
         </p:txBody>
       </p:sp>
@@ -7411,10 +7211,6 @@
               </a:rPr>
               <a:t>:</a:t>
             </a:r>
-            <a:endParaRPr lang="en-IN" sz="2800" dirty="0">
-              <a:latin typeface="Times New Roman" panose="02020603050405020304" pitchFamily="18" charset="0"/>
-              <a:cs typeface="Times New Roman" panose="02020603050405020304" pitchFamily="18" charset="0"/>
-            </a:endParaRPr>
           </a:p>
         </p:txBody>
       </p:sp>
@@ -7427,7 +7223,7 @@
           <p:nvPr/>
         </p:nvPicPr>
         <p:blipFill>
-          <a:blip r:embed="rId1"/>
+          <a:blip r:embed="rId2"/>
           <a:stretch>
             <a:fillRect/>
           </a:stretch>
@@ -7499,10 +7295,6 @@
               </a:rPr>
               <a:t>Output</a:t>
             </a:r>
-            <a:endParaRPr lang="en-US" sz="3200" dirty="0">
-              <a:latin typeface="Times New Roman" panose="02020603050405020304" pitchFamily="18" charset="0"/>
-              <a:cs typeface="Times New Roman" panose="02020603050405020304" pitchFamily="18" charset="0"/>
-            </a:endParaRPr>
           </a:p>
         </p:txBody>
       </p:sp>
@@ -7542,35 +7334,71 @@
               </a:rPr>
               <a:t>:</a:t>
             </a:r>
-            <a:endParaRPr lang="en-IN" sz="2800" dirty="0">
-              <a:latin typeface="Times New Roman" panose="02020603050405020304" pitchFamily="18" charset="0"/>
-              <a:cs typeface="Times New Roman" panose="02020603050405020304" pitchFamily="18" charset="0"/>
-            </a:endParaRPr>
           </a:p>
         </p:txBody>
       </p:sp>
       <p:pic>
         <p:nvPicPr>
-          <p:cNvPr id="5" name="Picture 4" descr="ss3"/>
+          <p:cNvPr id="1026" name="Picture 2"/>
           <p:cNvPicPr>
-            <a:picLocks noChangeAspect="1"/>
+            <a:picLocks noChangeAspect="1" noChangeArrowheads="1"/>
           </p:cNvPicPr>
           <p:nvPr/>
         </p:nvPicPr>
         <p:blipFill>
-          <a:blip r:embed="rId1"/>
+          <a:blip r:embed="rId2">
+            <a:extLst>
+              <a:ext uri="{28A0092B-C50C-407E-A947-70E740481C1C}">
+                <a14:useLocalDpi xmlns:a14="http://schemas.microsoft.com/office/drawing/2010/main" val="0"/>
+              </a:ext>
+            </a:extLst>
+          </a:blip>
+          <a:srcRect/>
           <a:stretch>
             <a:fillRect/>
           </a:stretch>
         </p:blipFill>
-        <p:spPr>
+        <p:spPr bwMode="auto">
           <a:xfrm>
-            <a:off x="350520" y="1638935"/>
-            <a:ext cx="8442325" cy="4288790"/>
+            <a:off x="270150" y="2070229"/>
+            <a:ext cx="8486062" cy="2238374"/>
           </a:xfrm>
           <a:prstGeom prst="rect">
             <a:avLst/>
           </a:prstGeom>
+          <a:noFill/>
+          <a:ln>
+            <a:noFill/>
+          </a:ln>
+          <a:effectLst/>
+          <a:extLst>
+            <a:ext uri="{909E8E84-426E-40DD-AFC4-6F175D3DCCD1}">
+              <a14:hiddenFill xmlns:a14="http://schemas.microsoft.com/office/drawing/2010/main">
+                <a:solidFill>
+                  <a:schemeClr val="accent1"/>
+                </a:solidFill>
+              </a14:hiddenFill>
+            </a:ext>
+            <a:ext uri="{91240B29-F687-4F45-9708-019B960494DF}">
+              <a14:hiddenLine xmlns:a14="http://schemas.microsoft.com/office/drawing/2010/main" w="9525">
+                <a:solidFill>
+                  <a:schemeClr val="tx1"/>
+                </a:solidFill>
+                <a:miter lim="800000"/>
+                <a:headEnd/>
+                <a:tailEnd/>
+              </a14:hiddenLine>
+            </a:ext>
+            <a:ext uri="{AF507438-7753-43E0-B8FC-AC1667EBCBE1}">
+              <a14:hiddenEffects xmlns:a14="http://schemas.microsoft.com/office/drawing/2010/main">
+                <a:effectLst>
+                  <a:outerShdw dist="35921" dir="2700000" algn="ctr" rotWithShape="0">
+                    <a:schemeClr val="bg2"/>
+                  </a:outerShdw>
+                </a:effectLst>
+              </a14:hiddenEffects>
+            </a:ext>
+          </a:extLst>
         </p:spPr>
       </p:pic>
     </p:spTree>
@@ -7630,10 +7458,6 @@
               </a:rPr>
               <a:t>Project Github Link</a:t>
             </a:r>
-            <a:endParaRPr lang="en-US" sz="3200" dirty="0">
-              <a:latin typeface="Times New Roman" panose="02020603050405020304" pitchFamily="18" charset="0"/>
-              <a:cs typeface="Times New Roman" panose="02020603050405020304" pitchFamily="18" charset="0"/>
-            </a:endParaRPr>
           </a:p>
         </p:txBody>
       </p:sp>
@@ -7674,10 +7498,6 @@
               </a:rPr>
               <a:t>https://github.com/Shiwangikhanna349/BE_G25_5</a:t>
             </a:r>
-            <a:endParaRPr lang="en-US" altLang="en-US" sz="2400" dirty="0">
-              <a:latin typeface="Times New Roman" panose="02020603050405020304" pitchFamily="18" charset="0"/>
-              <a:cs typeface="Times New Roman" panose="02020603050405020304" pitchFamily="18" charset="0"/>
-            </a:endParaRPr>
           </a:p>
         </p:txBody>
       </p:sp>
@@ -7968,9 +7788,11 @@
       </a:bgFillStyleLst>
     </a:fmtScheme>
   </a:themeElements>
+  <a:objectDefaults/>
+  <a:extraClrSchemeLst/>
   <a:extLst>
     <a:ext uri="{05A4C25C-085E-4340-85A3-A5531E510DB2}">
-      <thm15:themeFamily xmlns:thm15="http://schemas.microsoft.com/office/thememl/2012/main" name="Office Theme" id="{62F939B6-93AF-4DB8-9C6B-D6C7DFDC589F}" vid="{4A3C46E8-61CC-4603-A589-7422A47A8E4A}"/>
+      <thm15:themeFamily xmlns:thm15="http://schemas.microsoft.com/office/thememl/2012/main" xmlns="" name="Office Theme" id="{62F939B6-93AF-4DB8-9C6B-D6C7DFDC589F}" vid="{4A3C46E8-61CC-4603-A589-7422A47A8E4A}"/>
     </a:ext>
   </a:extLst>
 </a:theme>
@@ -8252,9 +8074,11 @@
       </a:bgFillStyleLst>
     </a:fmtScheme>
   </a:themeElements>
+  <a:objectDefaults/>
+  <a:extraClrSchemeLst/>
   <a:extLst>
     <a:ext uri="{05A4C25C-085E-4340-85A3-A5531E510DB2}">
-      <thm15:themeFamily xmlns:thm15="http://schemas.microsoft.com/office/thememl/2012/main" name="Office Theme" id="{62F939B6-93AF-4DB8-9C6B-D6C7DFDC589F}" vid="{4A3C46E8-61CC-4603-A589-7422A47A8E4A}"/>
+      <thm15:themeFamily xmlns:thm15="http://schemas.microsoft.com/office/thememl/2012/main" xmlns="" name="Office Theme" id="{62F939B6-93AF-4DB8-9C6B-D6C7DFDC589F}" vid="{4A3C46E8-61CC-4603-A589-7422A47A8E4A}"/>
     </a:ext>
   </a:extLst>
 </a:theme>
